--- a/mascost.pptx
+++ b/mascost.pptx
@@ -14694,7 +14694,26 @@
                 <a:ea typeface="宋体" panose="02010600030101010101" pitchFamily="2" charset="-122"/>
                 <a:cs typeface="Times New Roman" panose="02020603050405020304" pitchFamily="18" charset="0"/>
               </a:rPr>
-              <a:t>Our system can improve the performance of gcc_r and x264_r by about 2.5× and 4.4× compared with the pure NVM system, respectively. </a:t>
+              <a:t>Our system can improve the performance of gcc_r and x264_r by about </a:t>
+            </a:r>
+            <a:r>
+              <a:rPr lang="en-US" altLang="zh-CN" sz="2000" b="1" dirty="0">
+                <a:solidFill>
+                  <a:srgbClr val="C00000"/>
+                </a:solidFill>
+                <a:latin typeface="+mn-lt"/>
+                <a:ea typeface="宋体" panose="02010600030101010101" pitchFamily="2" charset="-122"/>
+                <a:cs typeface="Times New Roman" panose="02020603050405020304" pitchFamily="18" charset="0"/>
+              </a:rPr>
+              <a:t>2.5× and 4.4× compared with the pure NVM system</a:t>
+            </a:r>
+            <a:r>
+              <a:rPr lang="en-US" altLang="zh-CN" sz="2000" dirty="0">
+                <a:latin typeface="+mn-lt"/>
+                <a:ea typeface="宋体" panose="02010600030101010101" pitchFamily="2" charset="-122"/>
+                <a:cs typeface="Times New Roman" panose="02020603050405020304" pitchFamily="18" charset="0"/>
+              </a:rPr>
+              <a:t>. </a:t>
             </a:r>
           </a:p>
           <a:p>
@@ -14715,7 +14734,26 @@
                 <a:ea typeface="宋体" panose="02010600030101010101" pitchFamily="2" charset="-122"/>
                 <a:cs typeface="Times New Roman" panose="02020603050405020304" pitchFamily="18" charset="0"/>
               </a:rPr>
-              <a:t>Our system can also improve the performance of x264_r by 57.4% compared with the pure DRAM system, and the performance gap between the pure HBM system is even less than 10%.</a:t>
+              <a:t>Our system can also improve the performance of x264_r by </a:t>
+            </a:r>
+            <a:r>
+              <a:rPr lang="en-US" altLang="zh-CN" sz="2000" b="1" dirty="0">
+                <a:solidFill>
+                  <a:srgbClr val="C00000"/>
+                </a:solidFill>
+                <a:latin typeface="+mn-lt"/>
+                <a:ea typeface="宋体" panose="02010600030101010101" pitchFamily="2" charset="-122"/>
+                <a:cs typeface="Times New Roman" panose="02020603050405020304" pitchFamily="18" charset="0"/>
+              </a:rPr>
+              <a:t>57.4% compared with the pure DRAM system</a:t>
+            </a:r>
+            <a:r>
+              <a:rPr lang="en-US" altLang="zh-CN" sz="2000" dirty="0">
+                <a:latin typeface="+mn-lt"/>
+                <a:ea typeface="宋体" panose="02010600030101010101" pitchFamily="2" charset="-122"/>
+                <a:cs typeface="Times New Roman" panose="02020603050405020304" pitchFamily="18" charset="0"/>
+              </a:rPr>
+              <a:t>, and the performance gap between the pure HBM system is even less than 10%.</a:t>
             </a:r>
           </a:p>
         </p:txBody>
@@ -16020,7 +16058,7 @@
             </a:pPr>
             <a:r>
               <a:rPr lang="en-US" altLang="zh-CN" sz="2000" dirty="0"/>
-              <a:t>a random HBM page replacement algorithm</a:t>
+              <a:t>design a random HBM page replacement algorithm</a:t>
             </a:r>
           </a:p>
           <a:p>
@@ -16805,7 +16843,7 @@
         <p:spPr>
           <a:xfrm>
             <a:off x="746851" y="2092288"/>
-            <a:ext cx="9397081" cy="2862322"/>
+            <a:ext cx="9397081" cy="2239844"/>
           </a:xfrm>
           <a:prstGeom prst="rect">
             <a:avLst/>
@@ -16827,20 +16865,10 @@
             </a:pPr>
             <a:r>
               <a:rPr lang="en-US" altLang="zh-CN" sz="2400" dirty="0">
-                <a:solidFill>
-                  <a:srgbClr val="FF0000"/>
-                </a:solidFill>
                 <a:latin typeface="+mn-lt"/>
                 <a:ea typeface="宋体" panose="02010600030101010101" pitchFamily="2" charset="-122"/>
               </a:rPr>
-              <a:t>More abundant </a:t>
-            </a:r>
-            <a:r>
-              <a:rPr lang="en-US" altLang="zh-CN" sz="2400" dirty="0">
-                <a:latin typeface="+mn-lt"/>
-                <a:ea typeface="宋体" panose="02010600030101010101" pitchFamily="2" charset="-122"/>
-              </a:rPr>
-              <a:t>and multi-layered heterogeneous memory architecture is required</a:t>
+              <a:t>Multi-layered heterogeneous memory architecture is required</a:t>
             </a:r>
           </a:p>
           <a:p>
@@ -17350,24 +17378,7 @@
                 <a:latin typeface="+mn-lt"/>
                 <a:ea typeface="宋体" panose="02010600030101010101" pitchFamily="2" charset="-122"/>
               </a:rPr>
-              <a:t>Four key </a:t>
-            </a:r>
-            <a:r>
-              <a:rPr lang="en-US" altLang="zh-CN" sz="2400" b="1" dirty="0">
-                <a:solidFill>
-                  <a:srgbClr val="FF0000"/>
-                </a:solidFill>
-                <a:latin typeface="+mn-lt"/>
-                <a:ea typeface="宋体" panose="02010600030101010101" pitchFamily="2" charset="-122"/>
-              </a:rPr>
-              <a:t>parts</a:t>
-            </a:r>
-            <a:r>
-              <a:rPr lang="en-US" altLang="zh-CN" sz="2400" b="1" dirty="0">
-                <a:latin typeface="+mn-lt"/>
-                <a:ea typeface="宋体" panose="02010600030101010101" pitchFamily="2" charset="-122"/>
-              </a:rPr>
-              <a:t>:</a:t>
+              <a:t>Four key components:</a:t>
             </a:r>
             <a:endParaRPr lang="en-US" altLang="zh-CN" sz="2400" dirty="0">
               <a:latin typeface="+mn-lt"/>
